--- a/pet_project_graph/Проект по анализу графов.pptx
+++ b/pet_project_graph/Проект по анализу графов.pptx
@@ -16,15 +16,14 @@
     <p:sldId id="265" r:id="rId10"/>
     <p:sldId id="266" r:id="rId11"/>
     <p:sldId id="264" r:id="rId12"/>
-    <p:sldId id="267" r:id="rId13"/>
-    <p:sldId id="268" r:id="rId14"/>
-    <p:sldId id="274" r:id="rId15"/>
-    <p:sldId id="275" r:id="rId16"/>
-    <p:sldId id="270" r:id="rId17"/>
-    <p:sldId id="273" r:id="rId18"/>
-    <p:sldId id="271" r:id="rId19"/>
-    <p:sldId id="272" r:id="rId20"/>
-    <p:sldId id="269" r:id="rId21"/>
+    <p:sldId id="268" r:id="rId13"/>
+    <p:sldId id="274" r:id="rId14"/>
+    <p:sldId id="275" r:id="rId15"/>
+    <p:sldId id="270" r:id="rId16"/>
+    <p:sldId id="273" r:id="rId17"/>
+    <p:sldId id="271" r:id="rId18"/>
+    <p:sldId id="272" r:id="rId19"/>
+    <p:sldId id="269" r:id="rId20"/>
   </p:sldIdLst>
   <p:sldSz cx="12192000" cy="6858000"/>
   <p:notesSz cx="6858000" cy="9144000"/>
@@ -123,6 +122,11 @@
       </a:defRPr>
     </a:lvl9pPr>
   </p:defaultTextStyle>
+  <p:extLst>
+    <p:ext uri="{EFAFB233-063F-42B5-8137-9DF3F51BA10A}">
+      <p15:sldGuideLst xmlns:p15="http://schemas.microsoft.com/office/powerpoint/2012/main"/>
+    </p:ext>
+  </p:extLst>
 </p:presentation>
 </file>
 
@@ -287,7 +291,7 @@
           <a:p>
             <a:fld id="{512B1647-39D0-4634-8B32-5FF99FB04529}" type="datetimeFigureOut">
               <a:rPr lang="ru-RU" smtClean="0"/>
-              <a:t>17.05.2024</a:t>
+              <a:t>20.07.2025</a:t>
             </a:fld>
             <a:endParaRPr lang="ru-RU"/>
           </a:p>
@@ -487,7 +491,7 @@
           <a:p>
             <a:fld id="{512B1647-39D0-4634-8B32-5FF99FB04529}" type="datetimeFigureOut">
               <a:rPr lang="ru-RU" smtClean="0"/>
-              <a:t>17.05.2024</a:t>
+              <a:t>20.07.2025</a:t>
             </a:fld>
             <a:endParaRPr lang="ru-RU"/>
           </a:p>
@@ -697,7 +701,7 @@
           <a:p>
             <a:fld id="{512B1647-39D0-4634-8B32-5FF99FB04529}" type="datetimeFigureOut">
               <a:rPr lang="ru-RU" smtClean="0"/>
-              <a:t>17.05.2024</a:t>
+              <a:t>20.07.2025</a:t>
             </a:fld>
             <a:endParaRPr lang="ru-RU"/>
           </a:p>
@@ -897,7 +901,7 @@
           <a:p>
             <a:fld id="{512B1647-39D0-4634-8B32-5FF99FB04529}" type="datetimeFigureOut">
               <a:rPr lang="ru-RU" smtClean="0"/>
-              <a:t>17.05.2024</a:t>
+              <a:t>20.07.2025</a:t>
             </a:fld>
             <a:endParaRPr lang="ru-RU"/>
           </a:p>
@@ -1173,7 +1177,7 @@
           <a:p>
             <a:fld id="{512B1647-39D0-4634-8B32-5FF99FB04529}" type="datetimeFigureOut">
               <a:rPr lang="ru-RU" smtClean="0"/>
-              <a:t>17.05.2024</a:t>
+              <a:t>20.07.2025</a:t>
             </a:fld>
             <a:endParaRPr lang="ru-RU"/>
           </a:p>
@@ -1441,7 +1445,7 @@
           <a:p>
             <a:fld id="{512B1647-39D0-4634-8B32-5FF99FB04529}" type="datetimeFigureOut">
               <a:rPr lang="ru-RU" smtClean="0"/>
-              <a:t>17.05.2024</a:t>
+              <a:t>20.07.2025</a:t>
             </a:fld>
             <a:endParaRPr lang="ru-RU"/>
           </a:p>
@@ -1856,7 +1860,7 @@
           <a:p>
             <a:fld id="{512B1647-39D0-4634-8B32-5FF99FB04529}" type="datetimeFigureOut">
               <a:rPr lang="ru-RU" smtClean="0"/>
-              <a:t>17.05.2024</a:t>
+              <a:t>20.07.2025</a:t>
             </a:fld>
             <a:endParaRPr lang="ru-RU"/>
           </a:p>
@@ -1998,7 +2002,7 @@
           <a:p>
             <a:fld id="{512B1647-39D0-4634-8B32-5FF99FB04529}" type="datetimeFigureOut">
               <a:rPr lang="ru-RU" smtClean="0"/>
-              <a:t>17.05.2024</a:t>
+              <a:t>20.07.2025</a:t>
             </a:fld>
             <a:endParaRPr lang="ru-RU"/>
           </a:p>
@@ -2111,7 +2115,7 @@
           <a:p>
             <a:fld id="{512B1647-39D0-4634-8B32-5FF99FB04529}" type="datetimeFigureOut">
               <a:rPr lang="ru-RU" smtClean="0"/>
-              <a:t>17.05.2024</a:t>
+              <a:t>20.07.2025</a:t>
             </a:fld>
             <a:endParaRPr lang="ru-RU"/>
           </a:p>
@@ -2424,7 +2428,7 @@
           <a:p>
             <a:fld id="{512B1647-39D0-4634-8B32-5FF99FB04529}" type="datetimeFigureOut">
               <a:rPr lang="ru-RU" smtClean="0"/>
-              <a:t>17.05.2024</a:t>
+              <a:t>20.07.2025</a:t>
             </a:fld>
             <a:endParaRPr lang="ru-RU"/>
           </a:p>
@@ -2713,7 +2717,7 @@
           <a:p>
             <a:fld id="{512B1647-39D0-4634-8B32-5FF99FB04529}" type="datetimeFigureOut">
               <a:rPr lang="ru-RU" smtClean="0"/>
-              <a:t>17.05.2024</a:t>
+              <a:t>20.07.2025</a:t>
             </a:fld>
             <a:endParaRPr lang="ru-RU"/>
           </a:p>
@@ -2956,7 +2960,7 @@
           <a:p>
             <a:fld id="{512B1647-39D0-4634-8B32-5FF99FB04529}" type="datetimeFigureOut">
               <a:rPr lang="ru-RU" smtClean="0"/>
-              <a:t>17.05.2024</a:t>
+              <a:t>20.07.2025</a:t>
             </a:fld>
             <a:endParaRPr lang="ru-RU"/>
           </a:p>
@@ -3762,240 +3766,6 @@
     <p:bg>
       <p:bgPr>
         <a:solidFill>
-          <a:schemeClr val="bg1"/>
-        </a:solidFill>
-        <a:effectLst/>
-      </p:bgPr>
-    </p:bg>
-    <p:spTree>
-      <p:nvGrpSpPr>
-        <p:cNvPr id="1" name=""/>
-        <p:cNvGrpSpPr/>
-        <p:nvPr/>
-      </p:nvGrpSpPr>
-      <p:grpSpPr>
-        <a:xfrm>
-          <a:off x="0" y="0"/>
-          <a:ext cx="0" cy="0"/>
-          <a:chOff x="0" y="0"/>
-          <a:chExt cx="0" cy="0"/>
-        </a:xfrm>
-      </p:grpSpPr>
-      <p:sp>
-        <p:nvSpPr>
-          <p:cNvPr id="2" name="Title 1">
-            <a:extLst>
-              <a:ext uri="{FF2B5EF4-FFF2-40B4-BE49-F238E27FC236}">
-                <a16:creationId xmlns:a16="http://schemas.microsoft.com/office/drawing/2014/main" id="{C7A0AE38-E083-4B10-B67C-AB7FD106CF0D}"/>
-              </a:ext>
-            </a:extLst>
-          </p:cNvPr>
-          <p:cNvSpPr>
-            <a:spLocks noGrp="1"/>
-          </p:cNvSpPr>
-          <p:nvPr>
-            <p:ph type="title"/>
-          </p:nvPr>
-        </p:nvSpPr>
-        <p:spPr/>
-        <p:txBody>
-          <a:bodyPr/>
-          <a:lstStyle/>
-          <a:p>
-            <a:r>
-              <a:rPr lang="ru-RU" dirty="0"/>
-              <a:t>Как делал я</a:t>
-            </a:r>
-          </a:p>
-        </p:txBody>
-      </p:sp>
-      <p:pic>
-        <p:nvPicPr>
-          <p:cNvPr id="3074" name="Picture 2" descr="Чувак быстро стучит по клавиатуре (мем)">
-            <a:extLst>
-              <a:ext uri="{FF2B5EF4-FFF2-40B4-BE49-F238E27FC236}">
-                <a16:creationId xmlns:a16="http://schemas.microsoft.com/office/drawing/2014/main" id="{56C6B8E9-0E45-4F39-A8AD-2CB3B83B9E5C}"/>
-              </a:ext>
-            </a:extLst>
-          </p:cNvPr>
-          <p:cNvPicPr>
-            <a:picLocks noGrp="1" noChangeAspect="1" noChangeArrowheads="1"/>
-          </p:cNvPicPr>
-          <p:nvPr>
-            <p:ph idx="1"/>
-          </p:nvPr>
-        </p:nvPicPr>
-        <p:blipFill>
-          <a:blip r:embed="rId2">
-            <a:extLst>
-              <a:ext uri="{28A0092B-C50C-407E-A947-70E740481C1C}">
-                <a14:useLocalDpi xmlns:a14="http://schemas.microsoft.com/office/drawing/2010/main" val="0"/>
-              </a:ext>
-            </a:extLst>
-          </a:blip>
-          <a:srcRect/>
-          <a:stretch>
-            <a:fillRect/>
-          </a:stretch>
-        </p:blipFill>
-        <p:spPr bwMode="auto">
-          <a:xfrm>
-            <a:off x="7408" y="1803400"/>
-            <a:ext cx="5779911" cy="3251200"/>
-          </a:xfrm>
-          <a:prstGeom prst="rect">
-            <a:avLst/>
-          </a:prstGeom>
-          <a:noFill/>
-          <a:extLst>
-            <a:ext uri="{909E8E84-426E-40DD-AFC4-6F175D3DCCD1}">
-              <a14:hiddenFill xmlns:a14="http://schemas.microsoft.com/office/drawing/2010/main">
-                <a:solidFill>
-                  <a:srgbClr val="FFFFFF"/>
-                </a:solidFill>
-              </a14:hiddenFill>
-            </a:ext>
-          </a:extLst>
-        </p:spPr>
-      </p:pic>
-      <p:pic>
-        <p:nvPicPr>
-          <p:cNvPr id="3078" name="Picture 6" descr="Бермуды приглашают фрилансеров и студентов - Новости | Planet of Hotels">
-            <a:extLst>
-              <a:ext uri="{FF2B5EF4-FFF2-40B4-BE49-F238E27FC236}">
-                <a16:creationId xmlns:a16="http://schemas.microsoft.com/office/drawing/2014/main" id="{BCF9A55E-0F42-4434-895A-356189BCE3F6}"/>
-              </a:ext>
-            </a:extLst>
-          </p:cNvPr>
-          <p:cNvPicPr>
-            <a:picLocks noChangeAspect="1" noChangeArrowheads="1"/>
-          </p:cNvPicPr>
-          <p:nvPr/>
-        </p:nvPicPr>
-        <p:blipFill>
-          <a:blip r:embed="rId3">
-            <a:extLst>
-              <a:ext uri="{28A0092B-C50C-407E-A947-70E740481C1C}">
-                <a14:useLocalDpi xmlns:a14="http://schemas.microsoft.com/office/drawing/2010/main" val="0"/>
-              </a:ext>
-            </a:extLst>
-          </a:blip>
-          <a:srcRect/>
-          <a:stretch>
-            <a:fillRect/>
-          </a:stretch>
-        </p:blipFill>
-        <p:spPr bwMode="auto">
-          <a:xfrm>
-            <a:off x="5779911" y="1294106"/>
-            <a:ext cx="6404681" cy="4269787"/>
-          </a:xfrm>
-          <a:prstGeom prst="rect">
-            <a:avLst/>
-          </a:prstGeom>
-          <a:noFill/>
-          <a:extLst>
-            <a:ext uri="{909E8E84-426E-40DD-AFC4-6F175D3DCCD1}">
-              <a14:hiddenFill xmlns:a14="http://schemas.microsoft.com/office/drawing/2010/main">
-                <a:solidFill>
-                  <a:srgbClr val="FFFFFF"/>
-                </a:solidFill>
-              </a14:hiddenFill>
-            </a:ext>
-          </a:extLst>
-        </p:spPr>
-      </p:pic>
-      <p:pic>
-        <p:nvPicPr>
-          <p:cNvPr id="7" name="Picture 6">
-            <a:extLst>
-              <a:ext uri="{FF2B5EF4-FFF2-40B4-BE49-F238E27FC236}">
-                <a16:creationId xmlns:a16="http://schemas.microsoft.com/office/drawing/2014/main" id="{6EA61C59-F1A7-4D28-8E2D-009189F0193D}"/>
-              </a:ext>
-            </a:extLst>
-          </p:cNvPr>
-          <p:cNvPicPr>
-            <a:picLocks noChangeAspect="1"/>
-          </p:cNvPicPr>
-          <p:nvPr/>
-        </p:nvPicPr>
-        <p:blipFill>
-          <a:blip r:embed="rId4">
-            <a:extLst>
-              <a:ext uri="{28A0092B-C50C-407E-A947-70E740481C1C}">
-                <a14:useLocalDpi xmlns:a14="http://schemas.microsoft.com/office/drawing/2010/main" val="0"/>
-              </a:ext>
-            </a:extLst>
-          </a:blip>
-          <a:stretch>
-            <a:fillRect/>
-          </a:stretch>
-        </p:blipFill>
-        <p:spPr>
-          <a:xfrm>
-            <a:off x="7439024" y="1294106"/>
-            <a:ext cx="2608995" cy="1515119"/>
-          </a:xfrm>
-          <a:prstGeom prst="rect">
-            <a:avLst/>
-          </a:prstGeom>
-        </p:spPr>
-      </p:pic>
-      <p:pic>
-        <p:nvPicPr>
-          <p:cNvPr id="9" name="Picture 8">
-            <a:extLst>
-              <a:ext uri="{FF2B5EF4-FFF2-40B4-BE49-F238E27FC236}">
-                <a16:creationId xmlns:a16="http://schemas.microsoft.com/office/drawing/2014/main" id="{55B46869-38F7-480C-9368-9A4675E78897}"/>
-              </a:ext>
-            </a:extLst>
-          </p:cNvPr>
-          <p:cNvPicPr>
-            <a:picLocks noChangeAspect="1"/>
-          </p:cNvPicPr>
-          <p:nvPr/>
-        </p:nvPicPr>
-        <p:blipFill>
-          <a:blip r:embed="rId5">
-            <a:extLst>
-              <a:ext uri="{28A0092B-C50C-407E-A947-70E740481C1C}">
-                <a14:useLocalDpi xmlns:a14="http://schemas.microsoft.com/office/drawing/2010/main" val="0"/>
-              </a:ext>
-            </a:extLst>
-          </a:blip>
-          <a:stretch>
-            <a:fillRect/>
-          </a:stretch>
-        </p:blipFill>
-        <p:spPr>
-          <a:xfrm>
-            <a:off x="8354330" y="1471056"/>
-            <a:ext cx="778381" cy="778900"/>
-          </a:xfrm>
-          <a:prstGeom prst="rect">
-            <a:avLst/>
-          </a:prstGeom>
-        </p:spPr>
-      </p:pic>
-    </p:spTree>
-    <p:extLst>
-      <p:ext uri="{BB962C8B-B14F-4D97-AF65-F5344CB8AC3E}">
-        <p14:creationId xmlns:p14="http://schemas.microsoft.com/office/powerpoint/2010/main" val="876762199"/>
-      </p:ext>
-    </p:extLst>
-  </p:cSld>
-  <p:clrMapOvr>
-    <a:masterClrMapping/>
-  </p:clrMapOvr>
-</p:sld>
-</file>
-
-<file path=ppt/slides/slide13.xml><?xml version="1.0" encoding="utf-8"?>
-<p:sld xmlns:a="http://schemas.openxmlformats.org/drawingml/2006/main" xmlns:r="http://schemas.openxmlformats.org/officeDocument/2006/relationships" xmlns:p="http://schemas.openxmlformats.org/presentationml/2006/main">
-  <p:cSld>
-    <p:bg>
-      <p:bgPr>
-        <a:solidFill>
           <a:srgbClr val="1F1F1F"/>
         </a:solidFill>
         <a:effectLst/>
@@ -4049,6 +3819,74 @@
     <p:extLst>
       <p:ext uri="{BB962C8B-B14F-4D97-AF65-F5344CB8AC3E}">
         <p14:creationId xmlns:p14="http://schemas.microsoft.com/office/powerpoint/2010/main" val="3645998821"/>
+      </p:ext>
+    </p:extLst>
+  </p:cSld>
+  <p:clrMapOvr>
+    <a:masterClrMapping/>
+  </p:clrMapOvr>
+</p:sld>
+</file>
+
+<file path=ppt/slides/slide13.xml><?xml version="1.0" encoding="utf-8"?>
+<p:sld xmlns:a="http://schemas.openxmlformats.org/drawingml/2006/main" xmlns:r="http://schemas.openxmlformats.org/officeDocument/2006/relationships" xmlns:p="http://schemas.openxmlformats.org/presentationml/2006/main">
+  <p:cSld>
+    <p:bg>
+      <p:bgPr>
+        <a:solidFill>
+          <a:srgbClr val="2E2F30"/>
+        </a:solidFill>
+        <a:effectLst/>
+      </p:bgPr>
+    </p:bg>
+    <p:spTree>
+      <p:nvGrpSpPr>
+        <p:cNvPr id="1" name=""/>
+        <p:cNvGrpSpPr/>
+        <p:nvPr/>
+      </p:nvGrpSpPr>
+      <p:grpSpPr>
+        <a:xfrm>
+          <a:off x="0" y="0"/>
+          <a:ext cx="0" cy="0"/>
+          <a:chOff x="0" y="0"/>
+          <a:chExt cx="0" cy="0"/>
+        </a:xfrm>
+      </p:grpSpPr>
+      <p:pic>
+        <p:nvPicPr>
+          <p:cNvPr id="5" name="Picture 4">
+            <a:extLst>
+              <a:ext uri="{FF2B5EF4-FFF2-40B4-BE49-F238E27FC236}">
+                <a16:creationId xmlns:a16="http://schemas.microsoft.com/office/drawing/2014/main" id="{C5C6CEA0-F241-42DA-AFB4-B59B3392D093}"/>
+              </a:ext>
+            </a:extLst>
+          </p:cNvPr>
+          <p:cNvPicPr>
+            <a:picLocks noChangeAspect="1"/>
+          </p:cNvPicPr>
+          <p:nvPr/>
+        </p:nvPicPr>
+        <p:blipFill>
+          <a:blip r:embed="rId2"/>
+          <a:stretch>
+            <a:fillRect/>
+          </a:stretch>
+        </p:blipFill>
+        <p:spPr>
+          <a:xfrm>
+            <a:off x="3049314" y="0"/>
+            <a:ext cx="6093372" cy="6858000"/>
+          </a:xfrm>
+          <a:prstGeom prst="rect">
+            <a:avLst/>
+          </a:prstGeom>
+        </p:spPr>
+      </p:pic>
+    </p:spTree>
+    <p:extLst>
+      <p:ext uri="{BB962C8B-B14F-4D97-AF65-F5344CB8AC3E}">
+        <p14:creationId xmlns:p14="http://schemas.microsoft.com/office/powerpoint/2010/main" val="3473981799"/>
       </p:ext>
     </p:extLst>
   </p:cSld>
@@ -4085,10 +3923,10 @@
       </p:grpSpPr>
       <p:pic>
         <p:nvPicPr>
-          <p:cNvPr id="5" name="Picture 4">
-            <a:extLst>
-              <a:ext uri="{FF2B5EF4-FFF2-40B4-BE49-F238E27FC236}">
-                <a16:creationId xmlns:a16="http://schemas.microsoft.com/office/drawing/2014/main" id="{C5C6CEA0-F241-42DA-AFB4-B59B3392D093}"/>
+          <p:cNvPr id="3" name="Picture 2">
+            <a:extLst>
+              <a:ext uri="{FF2B5EF4-FFF2-40B4-BE49-F238E27FC236}">
+                <a16:creationId xmlns:a16="http://schemas.microsoft.com/office/drawing/2014/main" id="{0C2173E8-260A-41B0-9F86-3F0FFAF3AE02}"/>
               </a:ext>
             </a:extLst>
           </p:cNvPr>
@@ -4105,8 +3943,8 @@
         </p:blipFill>
         <p:spPr>
           <a:xfrm>
-            <a:off x="3049314" y="0"/>
-            <a:ext cx="6093372" cy="6858000"/>
+            <a:off x="2586317" y="0"/>
+            <a:ext cx="7019365" cy="6858000"/>
           </a:xfrm>
           <a:prstGeom prst="rect">
             <a:avLst/>
@@ -4116,7 +3954,7 @@
     </p:spTree>
     <p:extLst>
       <p:ext uri="{BB962C8B-B14F-4D97-AF65-F5344CB8AC3E}">
-        <p14:creationId xmlns:p14="http://schemas.microsoft.com/office/powerpoint/2010/main" val="3473981799"/>
+        <p14:creationId xmlns:p14="http://schemas.microsoft.com/office/powerpoint/2010/main" val="4292456349"/>
       </p:ext>
     </p:extLst>
   </p:cSld>
@@ -4153,10 +3991,10 @@
       </p:grpSpPr>
       <p:pic>
         <p:nvPicPr>
-          <p:cNvPr id="3" name="Picture 2">
-            <a:extLst>
-              <a:ext uri="{FF2B5EF4-FFF2-40B4-BE49-F238E27FC236}">
-                <a16:creationId xmlns:a16="http://schemas.microsoft.com/office/drawing/2014/main" id="{0C2173E8-260A-41B0-9F86-3F0FFAF3AE02}"/>
+          <p:cNvPr id="9" name="Picture 8">
+            <a:extLst>
+              <a:ext uri="{FF2B5EF4-FFF2-40B4-BE49-F238E27FC236}">
+                <a16:creationId xmlns:a16="http://schemas.microsoft.com/office/drawing/2014/main" id="{A62A6FF0-F620-4F05-ACA7-A47FDD5D6C4D}"/>
               </a:ext>
             </a:extLst>
           </p:cNvPr>
@@ -4173,8 +4011,8 @@
         </p:blipFill>
         <p:spPr>
           <a:xfrm>
-            <a:off x="2586317" y="0"/>
-            <a:ext cx="7019365" cy="6858000"/>
+            <a:off x="1190839" y="0"/>
+            <a:ext cx="9810322" cy="6858000"/>
           </a:xfrm>
           <a:prstGeom prst="rect">
             <a:avLst/>
@@ -4184,7 +4022,7 @@
     </p:spTree>
     <p:extLst>
       <p:ext uri="{BB962C8B-B14F-4D97-AF65-F5344CB8AC3E}">
-        <p14:creationId xmlns:p14="http://schemas.microsoft.com/office/powerpoint/2010/main" val="4292456349"/>
+        <p14:creationId xmlns:p14="http://schemas.microsoft.com/office/powerpoint/2010/main" val="3552853659"/>
       </p:ext>
     </p:extLst>
   </p:cSld>
@@ -4221,10 +4059,10 @@
       </p:grpSpPr>
       <p:pic>
         <p:nvPicPr>
-          <p:cNvPr id="9" name="Picture 8">
-            <a:extLst>
-              <a:ext uri="{FF2B5EF4-FFF2-40B4-BE49-F238E27FC236}">
-                <a16:creationId xmlns:a16="http://schemas.microsoft.com/office/drawing/2014/main" id="{A62A6FF0-F620-4F05-ACA7-A47FDD5D6C4D}"/>
+          <p:cNvPr id="5" name="Picture 4">
+            <a:extLst>
+              <a:ext uri="{FF2B5EF4-FFF2-40B4-BE49-F238E27FC236}">
+                <a16:creationId xmlns:a16="http://schemas.microsoft.com/office/drawing/2014/main" id="{68B6A799-84DA-4F8D-9F7C-60AE30C871DB}"/>
               </a:ext>
             </a:extLst>
           </p:cNvPr>
@@ -4241,8 +4079,8 @@
         </p:blipFill>
         <p:spPr>
           <a:xfrm>
-            <a:off x="1190839" y="0"/>
-            <a:ext cx="9810322" cy="6858000"/>
+            <a:off x="854619" y="0"/>
+            <a:ext cx="10482762" cy="6858000"/>
           </a:xfrm>
           <a:prstGeom prst="rect">
             <a:avLst/>
@@ -4252,7 +4090,7 @@
     </p:spTree>
     <p:extLst>
       <p:ext uri="{BB962C8B-B14F-4D97-AF65-F5344CB8AC3E}">
-        <p14:creationId xmlns:p14="http://schemas.microsoft.com/office/powerpoint/2010/main" val="3552853659"/>
+        <p14:creationId xmlns:p14="http://schemas.microsoft.com/office/powerpoint/2010/main" val="1247019677"/>
       </p:ext>
     </p:extLst>
   </p:cSld>
@@ -4289,10 +4127,10 @@
       </p:grpSpPr>
       <p:pic>
         <p:nvPicPr>
-          <p:cNvPr id="5" name="Picture 4">
-            <a:extLst>
-              <a:ext uri="{FF2B5EF4-FFF2-40B4-BE49-F238E27FC236}">
-                <a16:creationId xmlns:a16="http://schemas.microsoft.com/office/drawing/2014/main" id="{68B6A799-84DA-4F8D-9F7C-60AE30C871DB}"/>
+          <p:cNvPr id="7" name="Picture 6">
+            <a:extLst>
+              <a:ext uri="{FF2B5EF4-FFF2-40B4-BE49-F238E27FC236}">
+                <a16:creationId xmlns:a16="http://schemas.microsoft.com/office/drawing/2014/main" id="{A12DDDF9-1C4A-4CA8-AD83-1B9A71C59436}"/>
               </a:ext>
             </a:extLst>
           </p:cNvPr>
@@ -4309,8 +4147,8 @@
         </p:blipFill>
         <p:spPr>
           <a:xfrm>
-            <a:off x="854619" y="0"/>
-            <a:ext cx="10482762" cy="6858000"/>
+            <a:off x="1967204" y="0"/>
+            <a:ext cx="8257592" cy="6858000"/>
           </a:xfrm>
           <a:prstGeom prst="rect">
             <a:avLst/>
@@ -4320,7 +4158,7 @@
     </p:spTree>
     <p:extLst>
       <p:ext uri="{BB962C8B-B14F-4D97-AF65-F5344CB8AC3E}">
-        <p14:creationId xmlns:p14="http://schemas.microsoft.com/office/powerpoint/2010/main" val="1247019677"/>
+        <p14:creationId xmlns:p14="http://schemas.microsoft.com/office/powerpoint/2010/main" val="1125592460"/>
       </p:ext>
     </p:extLst>
   </p:cSld>
@@ -4357,10 +4195,10 @@
       </p:grpSpPr>
       <p:pic>
         <p:nvPicPr>
-          <p:cNvPr id="7" name="Picture 6">
-            <a:extLst>
-              <a:ext uri="{FF2B5EF4-FFF2-40B4-BE49-F238E27FC236}">
-                <a16:creationId xmlns:a16="http://schemas.microsoft.com/office/drawing/2014/main" id="{A12DDDF9-1C4A-4CA8-AD83-1B9A71C59436}"/>
+          <p:cNvPr id="3" name="Picture 2">
+            <a:extLst>
+              <a:ext uri="{FF2B5EF4-FFF2-40B4-BE49-F238E27FC236}">
+                <a16:creationId xmlns:a16="http://schemas.microsoft.com/office/drawing/2014/main" id="{A455BD72-FD56-4FF1-A225-211E2E8D7D92}"/>
               </a:ext>
             </a:extLst>
           </p:cNvPr>
@@ -4377,8 +4215,8 @@
         </p:blipFill>
         <p:spPr>
           <a:xfrm>
-            <a:off x="1967204" y="0"/>
-            <a:ext cx="8257592" cy="6858000"/>
+            <a:off x="869643" y="0"/>
+            <a:ext cx="10452714" cy="6858000"/>
           </a:xfrm>
           <a:prstGeom prst="rect">
             <a:avLst/>
@@ -4388,7 +4226,7 @@
     </p:spTree>
     <p:extLst>
       <p:ext uri="{BB962C8B-B14F-4D97-AF65-F5344CB8AC3E}">
-        <p14:creationId xmlns:p14="http://schemas.microsoft.com/office/powerpoint/2010/main" val="1125592460"/>
+        <p14:creationId xmlns:p14="http://schemas.microsoft.com/office/powerpoint/2010/main" val="2101207521"/>
       </p:ext>
     </p:extLst>
   </p:cSld>
@@ -4425,180 +4263,6 @@
       </p:grpSpPr>
       <p:pic>
         <p:nvPicPr>
-          <p:cNvPr id="3" name="Picture 2">
-            <a:extLst>
-              <a:ext uri="{FF2B5EF4-FFF2-40B4-BE49-F238E27FC236}">
-                <a16:creationId xmlns:a16="http://schemas.microsoft.com/office/drawing/2014/main" id="{A455BD72-FD56-4FF1-A225-211E2E8D7D92}"/>
-              </a:ext>
-            </a:extLst>
-          </p:cNvPr>
-          <p:cNvPicPr>
-            <a:picLocks noChangeAspect="1"/>
-          </p:cNvPicPr>
-          <p:nvPr/>
-        </p:nvPicPr>
-        <p:blipFill>
-          <a:blip r:embed="rId2"/>
-          <a:stretch>
-            <a:fillRect/>
-          </a:stretch>
-        </p:blipFill>
-        <p:spPr>
-          <a:xfrm>
-            <a:off x="869643" y="0"/>
-            <a:ext cx="10452714" cy="6858000"/>
-          </a:xfrm>
-          <a:prstGeom prst="rect">
-            <a:avLst/>
-          </a:prstGeom>
-        </p:spPr>
-      </p:pic>
-    </p:spTree>
-    <p:extLst>
-      <p:ext uri="{BB962C8B-B14F-4D97-AF65-F5344CB8AC3E}">
-        <p14:creationId xmlns:p14="http://schemas.microsoft.com/office/powerpoint/2010/main" val="2101207521"/>
-      </p:ext>
-    </p:extLst>
-  </p:cSld>
-  <p:clrMapOvr>
-    <a:masterClrMapping/>
-  </p:clrMapOvr>
-</p:sld>
-</file>
-
-<file path=ppt/slides/slide2.xml><?xml version="1.0" encoding="utf-8"?>
-<p:sld xmlns:a="http://schemas.openxmlformats.org/drawingml/2006/main" xmlns:r="http://schemas.openxmlformats.org/officeDocument/2006/relationships" xmlns:p="http://schemas.openxmlformats.org/presentationml/2006/main">
-  <p:cSld>
-    <p:spTree>
-      <p:nvGrpSpPr>
-        <p:cNvPr id="1" name=""/>
-        <p:cNvGrpSpPr/>
-        <p:nvPr/>
-      </p:nvGrpSpPr>
-      <p:grpSpPr>
-        <a:xfrm>
-          <a:off x="0" y="0"/>
-          <a:ext cx="0" cy="0"/>
-          <a:chOff x="0" y="0"/>
-          <a:chExt cx="0" cy="0"/>
-        </a:xfrm>
-      </p:grpSpPr>
-      <p:sp>
-        <p:nvSpPr>
-          <p:cNvPr id="2" name="Title 1">
-            <a:extLst>
-              <a:ext uri="{FF2B5EF4-FFF2-40B4-BE49-F238E27FC236}">
-                <a16:creationId xmlns:a16="http://schemas.microsoft.com/office/drawing/2014/main" id="{DC1D30E4-455B-41A3-91E7-220F07692A82}"/>
-              </a:ext>
-            </a:extLst>
-          </p:cNvPr>
-          <p:cNvSpPr>
-            <a:spLocks noGrp="1"/>
-          </p:cNvSpPr>
-          <p:nvPr>
-            <p:ph type="title"/>
-          </p:nvPr>
-        </p:nvSpPr>
-        <p:spPr/>
-        <p:txBody>
-          <a:bodyPr/>
-          <a:lstStyle/>
-          <a:p>
-            <a:r>
-              <a:rPr lang="ru-RU" dirty="0"/>
-              <a:t>Задачи проекта</a:t>
-            </a:r>
-          </a:p>
-        </p:txBody>
-      </p:sp>
-      <p:sp>
-        <p:nvSpPr>
-          <p:cNvPr id="3" name="Content Placeholder 2">
-            <a:extLst>
-              <a:ext uri="{FF2B5EF4-FFF2-40B4-BE49-F238E27FC236}">
-                <a16:creationId xmlns:a16="http://schemas.microsoft.com/office/drawing/2014/main" id="{FFA06E30-8893-4B0B-A80C-FBF98D7C757B}"/>
-              </a:ext>
-            </a:extLst>
-          </p:cNvPr>
-          <p:cNvSpPr>
-            <a:spLocks noGrp="1"/>
-          </p:cNvSpPr>
-          <p:nvPr>
-            <p:ph idx="1"/>
-          </p:nvPr>
-        </p:nvSpPr>
-        <p:spPr/>
-        <p:txBody>
-          <a:bodyPr>
-            <a:normAutofit/>
-          </a:bodyPr>
-          <a:lstStyle/>
-          <a:p>
-            <a:r>
-              <a:rPr lang="ru-RU" sz="2000" b="0" i="0" u="none" strike="noStrike" baseline="0" dirty="0"/>
-              <a:t>Нахождение числел внутренней и внешней устойчивости.</a:t>
-            </a:r>
-          </a:p>
-          <a:p>
-            <a:r>
-              <a:rPr lang="ru-RU" sz="2000" b="0" i="0" u="none" strike="noStrike" baseline="0" dirty="0"/>
-              <a:t>Нахождение множества внутренней и внешней устойчивости графа.</a:t>
-            </a:r>
-          </a:p>
-          <a:p>
-            <a:r>
-              <a:rPr lang="ru-RU" sz="2000" dirty="0"/>
-              <a:t>Нахождение ядра графа.</a:t>
-            </a:r>
-          </a:p>
-          <a:p>
-            <a:r>
-              <a:rPr lang="ru-RU" sz="2000" dirty="0"/>
-              <a:t>Вывод в графическом окне.</a:t>
-            </a:r>
-          </a:p>
-        </p:txBody>
-      </p:sp>
-    </p:spTree>
-    <p:extLst>
-      <p:ext uri="{BB962C8B-B14F-4D97-AF65-F5344CB8AC3E}">
-        <p14:creationId xmlns:p14="http://schemas.microsoft.com/office/powerpoint/2010/main" val="2134678090"/>
-      </p:ext>
-    </p:extLst>
-  </p:cSld>
-  <p:clrMapOvr>
-    <a:masterClrMapping/>
-  </p:clrMapOvr>
-</p:sld>
-</file>
-
-<file path=ppt/slides/slide20.xml><?xml version="1.0" encoding="utf-8"?>
-<p:sld xmlns:a="http://schemas.openxmlformats.org/drawingml/2006/main" xmlns:r="http://schemas.openxmlformats.org/officeDocument/2006/relationships" xmlns:p="http://schemas.openxmlformats.org/presentationml/2006/main">
-  <p:cSld>
-    <p:bg>
-      <p:bgPr>
-        <a:solidFill>
-          <a:srgbClr val="2E2F30"/>
-        </a:solidFill>
-        <a:effectLst/>
-      </p:bgPr>
-    </p:bg>
-    <p:spTree>
-      <p:nvGrpSpPr>
-        <p:cNvPr id="1" name=""/>
-        <p:cNvGrpSpPr/>
-        <p:nvPr/>
-      </p:nvGrpSpPr>
-      <p:grpSpPr>
-        <a:xfrm>
-          <a:off x="0" y="0"/>
-          <a:ext cx="0" cy="0"/>
-          <a:chOff x="0" y="0"/>
-          <a:chExt cx="0" cy="0"/>
-        </a:xfrm>
-      </p:grpSpPr>
-      <p:pic>
-        <p:nvPicPr>
           <p:cNvPr id="7" name="Picture 6">
             <a:extLst>
               <a:ext uri="{FF2B5EF4-FFF2-40B4-BE49-F238E27FC236}">
@@ -4839,6 +4503,112 @@
     <p:extLst>
       <p:ext uri="{BB962C8B-B14F-4D97-AF65-F5344CB8AC3E}">
         <p14:creationId xmlns:p14="http://schemas.microsoft.com/office/powerpoint/2010/main" val="3884286784"/>
+      </p:ext>
+    </p:extLst>
+  </p:cSld>
+  <p:clrMapOvr>
+    <a:masterClrMapping/>
+  </p:clrMapOvr>
+</p:sld>
+</file>
+
+<file path=ppt/slides/slide2.xml><?xml version="1.0" encoding="utf-8"?>
+<p:sld xmlns:a="http://schemas.openxmlformats.org/drawingml/2006/main" xmlns:r="http://schemas.openxmlformats.org/officeDocument/2006/relationships" xmlns:p="http://schemas.openxmlformats.org/presentationml/2006/main">
+  <p:cSld>
+    <p:spTree>
+      <p:nvGrpSpPr>
+        <p:cNvPr id="1" name=""/>
+        <p:cNvGrpSpPr/>
+        <p:nvPr/>
+      </p:nvGrpSpPr>
+      <p:grpSpPr>
+        <a:xfrm>
+          <a:off x="0" y="0"/>
+          <a:ext cx="0" cy="0"/>
+          <a:chOff x="0" y="0"/>
+          <a:chExt cx="0" cy="0"/>
+        </a:xfrm>
+      </p:grpSpPr>
+      <p:sp>
+        <p:nvSpPr>
+          <p:cNvPr id="2" name="Title 1">
+            <a:extLst>
+              <a:ext uri="{FF2B5EF4-FFF2-40B4-BE49-F238E27FC236}">
+                <a16:creationId xmlns:a16="http://schemas.microsoft.com/office/drawing/2014/main" id="{DC1D30E4-455B-41A3-91E7-220F07692A82}"/>
+              </a:ext>
+            </a:extLst>
+          </p:cNvPr>
+          <p:cNvSpPr>
+            <a:spLocks noGrp="1"/>
+          </p:cNvSpPr>
+          <p:nvPr>
+            <p:ph type="title"/>
+          </p:nvPr>
+        </p:nvSpPr>
+        <p:spPr/>
+        <p:txBody>
+          <a:bodyPr/>
+          <a:lstStyle/>
+          <a:p>
+            <a:r>
+              <a:rPr lang="ru-RU" dirty="0"/>
+              <a:t>Задачи проекта</a:t>
+            </a:r>
+          </a:p>
+        </p:txBody>
+      </p:sp>
+      <p:sp>
+        <p:nvSpPr>
+          <p:cNvPr id="3" name="Content Placeholder 2">
+            <a:extLst>
+              <a:ext uri="{FF2B5EF4-FFF2-40B4-BE49-F238E27FC236}">
+                <a16:creationId xmlns:a16="http://schemas.microsoft.com/office/drawing/2014/main" id="{FFA06E30-8893-4B0B-A80C-FBF98D7C757B}"/>
+              </a:ext>
+            </a:extLst>
+          </p:cNvPr>
+          <p:cNvSpPr>
+            <a:spLocks noGrp="1"/>
+          </p:cNvSpPr>
+          <p:nvPr>
+            <p:ph idx="1"/>
+          </p:nvPr>
+        </p:nvSpPr>
+        <p:spPr/>
+        <p:txBody>
+          <a:bodyPr>
+            <a:normAutofit/>
+          </a:bodyPr>
+          <a:lstStyle/>
+          <a:p>
+            <a:r>
+              <a:rPr lang="ru-RU" sz="2000" b="0" i="0" u="none" strike="noStrike" baseline="0" dirty="0"/>
+              <a:t>Нахождение числел внутренней и внешней устойчивости.</a:t>
+            </a:r>
+          </a:p>
+          <a:p>
+            <a:r>
+              <a:rPr lang="ru-RU" sz="2000" b="0" i="0" u="none" strike="noStrike" baseline="0" dirty="0"/>
+              <a:t>Нахождение множества внутренней и внешней устойчивости графа.</a:t>
+            </a:r>
+          </a:p>
+          <a:p>
+            <a:r>
+              <a:rPr lang="ru-RU" sz="2000" dirty="0"/>
+              <a:t>Нахождение ядра графа.</a:t>
+            </a:r>
+          </a:p>
+          <a:p>
+            <a:r>
+              <a:rPr lang="ru-RU" sz="2000" dirty="0"/>
+              <a:t>Вывод в графическом окне.</a:t>
+            </a:r>
+          </a:p>
+        </p:txBody>
+      </p:sp>
+    </p:spTree>
+    <p:extLst>
+      <p:ext uri="{BB962C8B-B14F-4D97-AF65-F5344CB8AC3E}">
+        <p14:creationId xmlns:p14="http://schemas.microsoft.com/office/powerpoint/2010/main" val="2134678090"/>
       </p:ext>
     </p:extLst>
   </p:cSld>
